--- a/Decision_Tree/决策树.pptx
+++ b/Decision_Tree/决策树.pptx
@@ -11,15 +11,19 @@
     <p:sldId id="259" r:id="rId5"/>
     <p:sldId id="260" r:id="rId6"/>
     <p:sldId id="261" r:id="rId7"/>
-    <p:sldId id="262" r:id="rId8"/>
-    <p:sldId id="263" r:id="rId9"/>
-    <p:sldId id="264" r:id="rId10"/>
-    <p:sldId id="265" r:id="rId11"/>
-    <p:sldId id="266" r:id="rId12"/>
-    <p:sldId id="267" r:id="rId13"/>
-    <p:sldId id="269" r:id="rId14"/>
-    <p:sldId id="270" r:id="rId15"/>
-    <p:sldId id="268" r:id="rId16"/>
+    <p:sldId id="271" r:id="rId8"/>
+    <p:sldId id="272" r:id="rId9"/>
+    <p:sldId id="273" r:id="rId10"/>
+    <p:sldId id="262" r:id="rId11"/>
+    <p:sldId id="263" r:id="rId12"/>
+    <p:sldId id="274" r:id="rId13"/>
+    <p:sldId id="264" r:id="rId14"/>
+    <p:sldId id="265" r:id="rId15"/>
+    <p:sldId id="266" r:id="rId16"/>
+    <p:sldId id="267" r:id="rId17"/>
+    <p:sldId id="269" r:id="rId18"/>
+    <p:sldId id="270" r:id="rId19"/>
+    <p:sldId id="268" r:id="rId20"/>
   </p:sldIdLst>
   <p:sldSz cx="12192000" cy="6858000"/>
   <p:notesSz cx="6858000" cy="9144000"/>
@@ -257,7 +261,7 @@
           <a:p>
             <a:fld id="{2F92647B-E224-42CF-815A-AB43B5637077}" type="datetimeFigureOut">
               <a:rPr lang="zh-CN" altLang="en-US" smtClean="0"/>
-              <a:t>2017/3/9</a:t>
+              <a:t>2019/1/4</a:t>
             </a:fld>
             <a:endParaRPr lang="zh-CN" altLang="en-US"/>
           </a:p>
@@ -427,7 +431,7 @@
           <a:p>
             <a:fld id="{2F92647B-E224-42CF-815A-AB43B5637077}" type="datetimeFigureOut">
               <a:rPr lang="zh-CN" altLang="en-US" smtClean="0"/>
-              <a:t>2017/3/9</a:t>
+              <a:t>2019/1/4</a:t>
             </a:fld>
             <a:endParaRPr lang="zh-CN" altLang="en-US"/>
           </a:p>
@@ -607,7 +611,7 @@
           <a:p>
             <a:fld id="{2F92647B-E224-42CF-815A-AB43B5637077}" type="datetimeFigureOut">
               <a:rPr lang="zh-CN" altLang="en-US" smtClean="0"/>
-              <a:t>2017/3/9</a:t>
+              <a:t>2019/1/4</a:t>
             </a:fld>
             <a:endParaRPr lang="zh-CN" altLang="en-US"/>
           </a:p>
@@ -777,7 +781,7 @@
           <a:p>
             <a:fld id="{2F92647B-E224-42CF-815A-AB43B5637077}" type="datetimeFigureOut">
               <a:rPr lang="zh-CN" altLang="en-US" smtClean="0"/>
-              <a:t>2017/3/9</a:t>
+              <a:t>2019/1/4</a:t>
             </a:fld>
             <a:endParaRPr lang="zh-CN" altLang="en-US"/>
           </a:p>
@@ -1023,7 +1027,7 @@
           <a:p>
             <a:fld id="{2F92647B-E224-42CF-815A-AB43B5637077}" type="datetimeFigureOut">
               <a:rPr lang="zh-CN" altLang="en-US" smtClean="0"/>
-              <a:t>2017/3/9</a:t>
+              <a:t>2019/1/4</a:t>
             </a:fld>
             <a:endParaRPr lang="zh-CN" altLang="en-US"/>
           </a:p>
@@ -1255,7 +1259,7 @@
           <a:p>
             <a:fld id="{2F92647B-E224-42CF-815A-AB43B5637077}" type="datetimeFigureOut">
               <a:rPr lang="zh-CN" altLang="en-US" smtClean="0"/>
-              <a:t>2017/3/9</a:t>
+              <a:t>2019/1/4</a:t>
             </a:fld>
             <a:endParaRPr lang="zh-CN" altLang="en-US"/>
           </a:p>
@@ -1622,7 +1626,7 @@
           <a:p>
             <a:fld id="{2F92647B-E224-42CF-815A-AB43B5637077}" type="datetimeFigureOut">
               <a:rPr lang="zh-CN" altLang="en-US" smtClean="0"/>
-              <a:t>2017/3/9</a:t>
+              <a:t>2019/1/4</a:t>
             </a:fld>
             <a:endParaRPr lang="zh-CN" altLang="en-US"/>
           </a:p>
@@ -1740,7 +1744,7 @@
           <a:p>
             <a:fld id="{2F92647B-E224-42CF-815A-AB43B5637077}" type="datetimeFigureOut">
               <a:rPr lang="zh-CN" altLang="en-US" smtClean="0"/>
-              <a:t>2017/3/9</a:t>
+              <a:t>2019/1/4</a:t>
             </a:fld>
             <a:endParaRPr lang="zh-CN" altLang="en-US"/>
           </a:p>
@@ -1835,7 +1839,7 @@
           <a:p>
             <a:fld id="{2F92647B-E224-42CF-815A-AB43B5637077}" type="datetimeFigureOut">
               <a:rPr lang="zh-CN" altLang="en-US" smtClean="0"/>
-              <a:t>2017/3/9</a:t>
+              <a:t>2019/1/4</a:t>
             </a:fld>
             <a:endParaRPr lang="zh-CN" altLang="en-US"/>
           </a:p>
@@ -2112,7 +2116,7 @@
           <a:p>
             <a:fld id="{2F92647B-E224-42CF-815A-AB43B5637077}" type="datetimeFigureOut">
               <a:rPr lang="zh-CN" altLang="en-US" smtClean="0"/>
-              <a:t>2017/3/9</a:t>
+              <a:t>2019/1/4</a:t>
             </a:fld>
             <a:endParaRPr lang="zh-CN" altLang="en-US"/>
           </a:p>
@@ -2365,7 +2369,7 @@
           <a:p>
             <a:fld id="{2F92647B-E224-42CF-815A-AB43B5637077}" type="datetimeFigureOut">
               <a:rPr lang="zh-CN" altLang="en-US" smtClean="0"/>
-              <a:t>2017/3/9</a:t>
+              <a:t>2019/1/4</a:t>
             </a:fld>
             <a:endParaRPr lang="zh-CN" altLang="en-US"/>
           </a:p>
@@ -2578,7 +2582,7 @@
           <a:p>
             <a:fld id="{2F92647B-E224-42CF-815A-AB43B5637077}" type="datetimeFigureOut">
               <a:rPr lang="zh-CN" altLang="en-US" smtClean="0"/>
-              <a:t>2017/3/9</a:t>
+              <a:t>2019/1/4</a:t>
             </a:fld>
             <a:endParaRPr lang="zh-CN" altLang="en-US"/>
           </a:p>
@@ -3014,7 +3018,7 @@
       </p:sp>
       <p:sp>
         <p:nvSpPr>
-          <p:cNvPr id="3" name="副标题 2"/>
+          <p:cNvPr id="4" name="副标题 3"/>
           <p:cNvSpPr>
             <a:spLocks noGrp="1"/>
           </p:cNvSpPr>
@@ -3022,27 +3026,12 @@
             <p:ph type="subTitle" idx="1"/>
           </p:nvPr>
         </p:nvSpPr>
-        <p:spPr>
-          <a:xfrm>
-            <a:off x="1524000" y="4003482"/>
-            <a:ext cx="9144000" cy="1655762"/>
-          </a:xfrm>
-        </p:spPr>
-        <p:txBody>
-          <a:bodyPr/>
-          <a:lstStyle/>
-          <a:p>
-            <a:r>
-              <a:rPr lang="zh-CN" altLang="en-US" dirty="0" smtClean="0">
-                <a:latin typeface="黑体" panose="02010609060101010101" pitchFamily="49" charset="-122"/>
-                <a:ea typeface="黑体" panose="02010609060101010101" pitchFamily="49" charset="-122"/>
-              </a:rPr>
-              <a:t>王秋里</a:t>
-            </a:r>
-            <a:endParaRPr lang="zh-CN" altLang="en-US" dirty="0">
-              <a:latin typeface="黑体" panose="02010609060101010101" pitchFamily="49" charset="-122"/>
-              <a:ea typeface="黑体" panose="02010609060101010101" pitchFamily="49" charset="-122"/>
-            </a:endParaRPr>
+        <p:spPr/>
+        <p:txBody>
+          <a:bodyPr/>
+          <a:lstStyle/>
+          <a:p>
+            <a:endParaRPr lang="zh-CN" altLang="en-US"/>
           </a:p>
         </p:txBody>
       </p:sp>
@@ -3067,6 +3056,608 @@
 </file>
 
 <file path=ppt/slides/slide10.xml><?xml version="1.0" encoding="utf-8"?>
+<p:sld xmlns:a="http://schemas.openxmlformats.org/drawingml/2006/main" xmlns:r="http://schemas.openxmlformats.org/officeDocument/2006/relationships" xmlns:p="http://schemas.openxmlformats.org/presentationml/2006/main">
+  <p:cSld>
+    <p:spTree>
+      <p:nvGrpSpPr>
+        <p:cNvPr id="1" name=""/>
+        <p:cNvGrpSpPr/>
+        <p:nvPr/>
+      </p:nvGrpSpPr>
+      <p:grpSpPr>
+        <a:xfrm>
+          <a:off x="0" y="0"/>
+          <a:ext cx="0" cy="0"/>
+          <a:chOff x="0" y="0"/>
+          <a:chExt cx="0" cy="0"/>
+        </a:xfrm>
+      </p:grpSpPr>
+      <p:sp>
+        <p:nvSpPr>
+          <p:cNvPr id="2" name="标题 1"/>
+          <p:cNvSpPr>
+            <a:spLocks noGrp="1"/>
+          </p:cNvSpPr>
+          <p:nvPr>
+            <p:ph type="title"/>
+          </p:nvPr>
+        </p:nvSpPr>
+        <p:spPr>
+          <a:xfrm>
+            <a:off x="838200" y="365125"/>
+            <a:ext cx="10515600" cy="1325563"/>
+          </a:xfrm>
+        </p:spPr>
+        <p:txBody>
+          <a:bodyPr/>
+          <a:lstStyle/>
+          <a:p>
+            <a:r>
+              <a:rPr lang="en-US" altLang="zh-CN" dirty="0"/>
+              <a:t>2.</a:t>
+            </a:r>
+            <a:r>
+              <a:rPr lang="zh-CN" altLang="en-US" dirty="0"/>
+              <a:t>特征选择</a:t>
+            </a:r>
+          </a:p>
+        </p:txBody>
+      </p:sp>
+      <p:sp>
+        <p:nvSpPr>
+          <p:cNvPr id="3" name="内容占位符 2"/>
+          <p:cNvSpPr>
+            <a:spLocks noGrp="1"/>
+          </p:cNvSpPr>
+          <p:nvPr>
+            <p:ph idx="1"/>
+          </p:nvPr>
+        </p:nvSpPr>
+        <p:spPr/>
+        <p:txBody>
+          <a:bodyPr/>
+          <a:lstStyle/>
+          <a:p>
+            <a:r>
+              <a:rPr lang="zh-CN" altLang="en-US" dirty="0" smtClean="0"/>
+              <a:t>信息增益比： 特征</a:t>
+            </a:r>
+            <a:r>
+              <a:rPr lang="en-US" altLang="zh-CN" dirty="0" smtClean="0"/>
+              <a:t>A</a:t>
+            </a:r>
+            <a:r>
+              <a:rPr lang="zh-CN" altLang="en-US" dirty="0" smtClean="0"/>
+              <a:t>对训练数据集</a:t>
+            </a:r>
+            <a:r>
+              <a:rPr lang="en-US" altLang="zh-CN" dirty="0" smtClean="0"/>
+              <a:t>D</a:t>
+            </a:r>
+            <a:r>
+              <a:rPr lang="zh-CN" altLang="en-US" dirty="0" smtClean="0"/>
+              <a:t>的信息增益比</a:t>
+            </a:r>
+            <a:r>
+              <a:rPr lang="en-US" altLang="zh-CN" dirty="0" err="1" smtClean="0"/>
+              <a:t>g</a:t>
+            </a:r>
+            <a:r>
+              <a:rPr lang="en-US" altLang="zh-CN" baseline="-25000" dirty="0" err="1" smtClean="0"/>
+              <a:t>R</a:t>
+            </a:r>
+            <a:r>
+              <a:rPr lang="en-US" altLang="zh-CN" dirty="0" smtClean="0"/>
+              <a:t>(D, A)</a:t>
+            </a:r>
+            <a:r>
+              <a:rPr lang="zh-CN" altLang="en-US" dirty="0" smtClean="0"/>
+              <a:t>定义为其信息增益</a:t>
+            </a:r>
+            <a:r>
+              <a:rPr lang="en-US" altLang="zh-CN" dirty="0" smtClean="0"/>
+              <a:t>g(D, A)</a:t>
+            </a:r>
+            <a:r>
+              <a:rPr lang="zh-CN" altLang="en-US" dirty="0" smtClean="0"/>
+              <a:t>与训练数据集</a:t>
+            </a:r>
+            <a:r>
+              <a:rPr lang="en-US" altLang="zh-CN" dirty="0" smtClean="0"/>
+              <a:t>D</a:t>
+            </a:r>
+            <a:r>
+              <a:rPr lang="zh-CN" altLang="en-US" dirty="0" smtClean="0"/>
+              <a:t>关于特征</a:t>
+            </a:r>
+            <a:r>
+              <a:rPr lang="en-US" altLang="zh-CN" dirty="0" smtClean="0"/>
+              <a:t>A</a:t>
+            </a:r>
+            <a:r>
+              <a:rPr lang="zh-CN" altLang="en-US" dirty="0" smtClean="0"/>
+              <a:t>的值的熵</a:t>
+            </a:r>
+            <a:r>
+              <a:rPr lang="en-US" altLang="zh-CN" dirty="0" smtClean="0"/>
+              <a:t>H</a:t>
+            </a:r>
+            <a:r>
+              <a:rPr lang="en-US" altLang="zh-CN" baseline="-25000" dirty="0" smtClean="0"/>
+              <a:t>A</a:t>
+            </a:r>
+            <a:r>
+              <a:rPr lang="en-US" altLang="zh-CN" dirty="0" smtClean="0"/>
+              <a:t>(D)</a:t>
+            </a:r>
+            <a:r>
+              <a:rPr lang="zh-CN" altLang="en-US" dirty="0" smtClean="0"/>
+              <a:t>之比</a:t>
+            </a:r>
+            <a:endParaRPr lang="en-US" altLang="zh-CN" dirty="0" smtClean="0"/>
+          </a:p>
+        </p:txBody>
+      </p:sp>
+      <p:pic>
+        <p:nvPicPr>
+          <p:cNvPr id="4" name="图片 3"/>
+          <p:cNvPicPr>
+            <a:picLocks noChangeAspect="1"/>
+          </p:cNvPicPr>
+          <p:nvPr/>
+        </p:nvPicPr>
+        <p:blipFill>
+          <a:blip r:embed="rId2">
+            <a:extLst>
+              <a:ext uri="{28A0092B-C50C-407E-A947-70E740481C1C}">
+                <a14:useLocalDpi xmlns:a14="http://schemas.microsoft.com/office/drawing/2010/main" val="0"/>
+              </a:ext>
+            </a:extLst>
+          </a:blip>
+          <a:stretch>
+            <a:fillRect/>
+          </a:stretch>
+        </p:blipFill>
+        <p:spPr>
+          <a:xfrm>
+            <a:off x="2300287" y="3301206"/>
+            <a:ext cx="7591425" cy="1400175"/>
+          </a:xfrm>
+          <a:prstGeom prst="rect">
+            <a:avLst/>
+          </a:prstGeom>
+        </p:spPr>
+      </p:pic>
+    </p:spTree>
+    <p:extLst>
+      <p:ext uri="{BB962C8B-B14F-4D97-AF65-F5344CB8AC3E}">
+        <p14:creationId xmlns:p14="http://schemas.microsoft.com/office/powerpoint/2010/main" val="561983054"/>
+      </p:ext>
+    </p:extLst>
+  </p:cSld>
+  <p:clrMapOvr>
+    <a:masterClrMapping/>
+  </p:clrMapOvr>
+  <p:timing>
+    <p:tnLst>
+      <p:par>
+        <p:cTn id="1" dur="indefinite" restart="never" nodeType="tmRoot"/>
+      </p:par>
+    </p:tnLst>
+  </p:timing>
+</p:sld>
+</file>
+
+<file path=ppt/slides/slide11.xml><?xml version="1.0" encoding="utf-8"?>
+<p:sld xmlns:a="http://schemas.openxmlformats.org/drawingml/2006/main" xmlns:r="http://schemas.openxmlformats.org/officeDocument/2006/relationships" xmlns:p="http://schemas.openxmlformats.org/presentationml/2006/main">
+  <p:cSld>
+    <p:spTree>
+      <p:nvGrpSpPr>
+        <p:cNvPr id="1" name=""/>
+        <p:cNvGrpSpPr/>
+        <p:nvPr/>
+      </p:nvGrpSpPr>
+      <p:grpSpPr>
+        <a:xfrm>
+          <a:off x="0" y="0"/>
+          <a:ext cx="0" cy="0"/>
+          <a:chOff x="0" y="0"/>
+          <a:chExt cx="0" cy="0"/>
+        </a:xfrm>
+      </p:grpSpPr>
+      <p:sp>
+        <p:nvSpPr>
+          <p:cNvPr id="2" name="标题 1"/>
+          <p:cNvSpPr>
+            <a:spLocks noGrp="1"/>
+          </p:cNvSpPr>
+          <p:nvPr>
+            <p:ph type="title"/>
+          </p:nvPr>
+        </p:nvSpPr>
+        <p:spPr/>
+        <p:txBody>
+          <a:bodyPr/>
+          <a:lstStyle/>
+          <a:p>
+            <a:r>
+              <a:rPr lang="en-US" altLang="zh-CN" dirty="0" smtClean="0"/>
+              <a:t>3.</a:t>
+            </a:r>
+            <a:r>
+              <a:rPr lang="zh-CN" altLang="en-US" dirty="0" smtClean="0"/>
+              <a:t>决策树的生成</a:t>
+            </a:r>
+            <a:endParaRPr lang="zh-CN" altLang="en-US" dirty="0"/>
+          </a:p>
+        </p:txBody>
+      </p:sp>
+      <p:sp>
+        <p:nvSpPr>
+          <p:cNvPr id="3" name="内容占位符 2"/>
+          <p:cNvSpPr>
+            <a:spLocks noGrp="1"/>
+          </p:cNvSpPr>
+          <p:nvPr>
+            <p:ph idx="1"/>
+          </p:nvPr>
+        </p:nvSpPr>
+        <p:spPr/>
+        <p:txBody>
+          <a:bodyPr/>
+          <a:lstStyle/>
+          <a:p>
+            <a:r>
+              <a:rPr lang="en-US" altLang="zh-CN" dirty="0" smtClean="0"/>
+              <a:t>ID3</a:t>
+            </a:r>
+            <a:r>
+              <a:rPr lang="zh-CN" altLang="en-US" dirty="0" smtClean="0"/>
+              <a:t>算法</a:t>
+            </a:r>
+            <a:endParaRPr lang="zh-CN" altLang="en-US" dirty="0"/>
+          </a:p>
+        </p:txBody>
+      </p:sp>
+      <p:pic>
+        <p:nvPicPr>
+          <p:cNvPr id="4" name="图片 3"/>
+          <p:cNvPicPr>
+            <a:picLocks noChangeAspect="1"/>
+          </p:cNvPicPr>
+          <p:nvPr/>
+        </p:nvPicPr>
+        <p:blipFill>
+          <a:blip r:embed="rId2">
+            <a:extLst>
+              <a:ext uri="{28A0092B-C50C-407E-A947-70E740481C1C}">
+                <a14:useLocalDpi xmlns:a14="http://schemas.microsoft.com/office/drawing/2010/main" val="0"/>
+              </a:ext>
+            </a:extLst>
+          </a:blip>
+          <a:stretch>
+            <a:fillRect/>
+          </a:stretch>
+        </p:blipFill>
+        <p:spPr>
+          <a:xfrm>
+            <a:off x="2852737" y="1690688"/>
+            <a:ext cx="6486525" cy="4286250"/>
+          </a:xfrm>
+          <a:prstGeom prst="rect">
+            <a:avLst/>
+          </a:prstGeom>
+        </p:spPr>
+      </p:pic>
+    </p:spTree>
+    <p:extLst>
+      <p:ext uri="{BB962C8B-B14F-4D97-AF65-F5344CB8AC3E}">
+        <p14:creationId xmlns:p14="http://schemas.microsoft.com/office/powerpoint/2010/main" val="3791275100"/>
+      </p:ext>
+    </p:extLst>
+  </p:cSld>
+  <p:clrMapOvr>
+    <a:masterClrMapping/>
+  </p:clrMapOvr>
+  <p:timing>
+    <p:tnLst>
+      <p:par>
+        <p:cTn id="1" dur="indefinite" restart="never" nodeType="tmRoot"/>
+      </p:par>
+    </p:tnLst>
+  </p:timing>
+</p:sld>
+</file>
+
+<file path=ppt/slides/slide12.xml><?xml version="1.0" encoding="utf-8"?>
+<p:sld xmlns:a="http://schemas.openxmlformats.org/drawingml/2006/main" xmlns:r="http://schemas.openxmlformats.org/officeDocument/2006/relationships" xmlns:p="http://schemas.openxmlformats.org/presentationml/2006/main">
+  <p:cSld>
+    <p:spTree>
+      <p:nvGrpSpPr>
+        <p:cNvPr id="1" name=""/>
+        <p:cNvGrpSpPr/>
+        <p:nvPr/>
+      </p:nvGrpSpPr>
+      <p:grpSpPr>
+        <a:xfrm>
+          <a:off x="0" y="0"/>
+          <a:ext cx="0" cy="0"/>
+          <a:chOff x="0" y="0"/>
+          <a:chExt cx="0" cy="0"/>
+        </a:xfrm>
+      </p:grpSpPr>
+      <p:sp>
+        <p:nvSpPr>
+          <p:cNvPr id="2" name="标题 1"/>
+          <p:cNvSpPr>
+            <a:spLocks noGrp="1"/>
+          </p:cNvSpPr>
+          <p:nvPr>
+            <p:ph type="title"/>
+          </p:nvPr>
+        </p:nvSpPr>
+        <p:spPr/>
+        <p:txBody>
+          <a:bodyPr/>
+          <a:lstStyle/>
+          <a:p>
+            <a:r>
+              <a:rPr lang="en-US" altLang="zh-CN" dirty="0"/>
+              <a:t>3.</a:t>
+            </a:r>
+            <a:r>
+              <a:rPr lang="zh-CN" altLang="en-US" dirty="0"/>
+              <a:t>决策树的生成</a:t>
+            </a:r>
+          </a:p>
+        </p:txBody>
+      </p:sp>
+      <p:pic>
+        <p:nvPicPr>
+          <p:cNvPr id="5" name="内容占位符 4"/>
+          <p:cNvPicPr>
+            <a:picLocks noGrp="1" noChangeAspect="1"/>
+          </p:cNvPicPr>
+          <p:nvPr>
+            <p:ph idx="1"/>
+          </p:nvPr>
+        </p:nvPicPr>
+        <p:blipFill>
+          <a:blip r:embed="rId2">
+            <a:extLst>
+              <a:ext uri="{28A0092B-C50C-407E-A947-70E740481C1C}">
+                <a14:useLocalDpi xmlns:a14="http://schemas.microsoft.com/office/drawing/2010/main" val="0"/>
+              </a:ext>
+            </a:extLst>
+          </a:blip>
+          <a:stretch>
+            <a:fillRect/>
+          </a:stretch>
+        </p:blipFill>
+        <p:spPr>
+          <a:xfrm>
+            <a:off x="971522" y="1690688"/>
+            <a:ext cx="7404154" cy="4351338"/>
+          </a:xfrm>
+        </p:spPr>
+      </p:pic>
+      <p:pic>
+        <p:nvPicPr>
+          <p:cNvPr id="6" name="图片 5"/>
+          <p:cNvPicPr>
+            <a:picLocks noChangeAspect="1"/>
+          </p:cNvPicPr>
+          <p:nvPr/>
+        </p:nvPicPr>
+        <p:blipFill>
+          <a:blip r:embed="rId3">
+            <a:extLst>
+              <a:ext uri="{28A0092B-C50C-407E-A947-70E740481C1C}">
+                <a14:useLocalDpi xmlns:a14="http://schemas.microsoft.com/office/drawing/2010/main" val="0"/>
+              </a:ext>
+            </a:extLst>
+          </a:blip>
+          <a:stretch>
+            <a:fillRect/>
+          </a:stretch>
+        </p:blipFill>
+        <p:spPr>
+          <a:xfrm>
+            <a:off x="8221203" y="1978736"/>
+            <a:ext cx="4058216" cy="3734321"/>
+          </a:xfrm>
+          <a:prstGeom prst="rect">
+            <a:avLst/>
+          </a:prstGeom>
+        </p:spPr>
+      </p:pic>
+    </p:spTree>
+    <p:extLst>
+      <p:ext uri="{BB962C8B-B14F-4D97-AF65-F5344CB8AC3E}">
+        <p14:creationId xmlns:p14="http://schemas.microsoft.com/office/powerpoint/2010/main" val="3296119933"/>
+      </p:ext>
+    </p:extLst>
+  </p:cSld>
+  <p:clrMapOvr>
+    <a:masterClrMapping/>
+  </p:clrMapOvr>
+  <p:timing>
+    <p:tnLst>
+      <p:par>
+        <p:cTn id="1" dur="indefinite" restart="never" nodeType="tmRoot"/>
+      </p:par>
+    </p:tnLst>
+  </p:timing>
+</p:sld>
+</file>
+
+<file path=ppt/slides/slide13.xml><?xml version="1.0" encoding="utf-8"?>
+<p:sld xmlns:a="http://schemas.openxmlformats.org/drawingml/2006/main" xmlns:r="http://schemas.openxmlformats.org/officeDocument/2006/relationships" xmlns:p="http://schemas.openxmlformats.org/presentationml/2006/main">
+  <p:cSld>
+    <p:spTree>
+      <p:nvGrpSpPr>
+        <p:cNvPr id="1" name=""/>
+        <p:cNvGrpSpPr/>
+        <p:nvPr/>
+      </p:nvGrpSpPr>
+      <p:grpSpPr>
+        <a:xfrm>
+          <a:off x="0" y="0"/>
+          <a:ext cx="0" cy="0"/>
+          <a:chOff x="0" y="0"/>
+          <a:chExt cx="0" cy="0"/>
+        </a:xfrm>
+      </p:grpSpPr>
+      <p:sp>
+        <p:nvSpPr>
+          <p:cNvPr id="2" name="标题 1"/>
+          <p:cNvSpPr>
+            <a:spLocks noGrp="1"/>
+          </p:cNvSpPr>
+          <p:nvPr>
+            <p:ph type="title"/>
+          </p:nvPr>
+        </p:nvSpPr>
+        <p:spPr/>
+        <p:txBody>
+          <a:bodyPr/>
+          <a:lstStyle/>
+          <a:p>
+            <a:r>
+              <a:rPr lang="en-US" altLang="zh-CN" dirty="0"/>
+              <a:t>3.</a:t>
+            </a:r>
+            <a:r>
+              <a:rPr lang="zh-CN" altLang="en-US" dirty="0"/>
+              <a:t>决策树的生成</a:t>
+            </a:r>
+          </a:p>
+        </p:txBody>
+      </p:sp>
+      <p:sp>
+        <p:nvSpPr>
+          <p:cNvPr id="3" name="内容占位符 2"/>
+          <p:cNvSpPr>
+            <a:spLocks noGrp="1"/>
+          </p:cNvSpPr>
+          <p:nvPr>
+            <p:ph idx="1"/>
+          </p:nvPr>
+        </p:nvSpPr>
+        <p:spPr/>
+        <p:txBody>
+          <a:bodyPr/>
+          <a:lstStyle/>
+          <a:p>
+            <a:r>
+              <a:rPr lang="en-US" altLang="zh-CN" dirty="0" smtClean="0"/>
+              <a:t>C4.5</a:t>
+            </a:r>
+            <a:r>
+              <a:rPr lang="zh-CN" altLang="en-US" dirty="0" smtClean="0"/>
+              <a:t>算法：</a:t>
+            </a:r>
+            <a:r>
+              <a:rPr lang="en-US" altLang="zh-CN" dirty="0"/>
+              <a:t>C4.5</a:t>
+            </a:r>
+            <a:r>
+              <a:rPr lang="zh-CN" altLang="en-US" dirty="0"/>
+              <a:t>算法继承了</a:t>
+            </a:r>
+            <a:r>
+              <a:rPr lang="en-US" altLang="zh-CN" dirty="0"/>
+              <a:t>ID3</a:t>
+            </a:r>
+            <a:r>
+              <a:rPr lang="zh-CN" altLang="en-US" dirty="0"/>
+              <a:t>算法的优点，并在以下几方面对</a:t>
+            </a:r>
+            <a:r>
+              <a:rPr lang="en-US" altLang="zh-CN" dirty="0"/>
+              <a:t>ID3</a:t>
+            </a:r>
+            <a:r>
+              <a:rPr lang="zh-CN" altLang="en-US" dirty="0"/>
+              <a:t>算法进行了</a:t>
+            </a:r>
+            <a:r>
+              <a:rPr lang="zh-CN" altLang="en-US" dirty="0" smtClean="0"/>
+              <a:t>改进</a:t>
+            </a:r>
+            <a:endParaRPr lang="en-US" altLang="zh-CN" dirty="0" smtClean="0"/>
+          </a:p>
+          <a:p>
+            <a:pPr lvl="1"/>
+            <a:r>
+              <a:rPr lang="zh-CN" altLang="en-US" dirty="0"/>
+              <a:t>用信息增益率来选择属性，克服了用信息增益选择属性时偏向选择取值多的属性的不足</a:t>
+            </a:r>
+            <a:r>
+              <a:rPr lang="zh-CN" altLang="en-US" dirty="0" smtClean="0"/>
+              <a:t>；</a:t>
+            </a:r>
+            <a:endParaRPr lang="en-US" altLang="zh-CN" dirty="0" smtClean="0"/>
+          </a:p>
+          <a:p>
+            <a:pPr lvl="1"/>
+            <a:r>
+              <a:rPr lang="zh-CN" altLang="en-US" dirty="0" smtClean="0"/>
+              <a:t>在</a:t>
+            </a:r>
+            <a:r>
+              <a:rPr lang="zh-CN" altLang="en-US" dirty="0"/>
+              <a:t>树构造过程中进行剪枝；</a:t>
+            </a:r>
+          </a:p>
+          <a:p>
+            <a:pPr lvl="1"/>
+            <a:r>
+              <a:rPr lang="zh-CN" altLang="en-US" dirty="0" smtClean="0"/>
+              <a:t>能够</a:t>
+            </a:r>
+            <a:r>
+              <a:rPr lang="zh-CN" altLang="en-US" dirty="0"/>
+              <a:t>完成对连续属性的离散化处理；</a:t>
+            </a:r>
+          </a:p>
+          <a:p>
+            <a:pPr lvl="1"/>
+            <a:r>
+              <a:rPr lang="zh-CN" altLang="en-US" dirty="0" smtClean="0"/>
+              <a:t>能够</a:t>
+            </a:r>
+            <a:r>
+              <a:rPr lang="zh-CN" altLang="en-US" dirty="0"/>
+              <a:t>对不完整数据进行处理。</a:t>
+            </a:r>
+          </a:p>
+          <a:p>
+            <a:endParaRPr lang="zh-CN" altLang="en-US" dirty="0"/>
+          </a:p>
+        </p:txBody>
+      </p:sp>
+    </p:spTree>
+    <p:extLst>
+      <p:ext uri="{BB962C8B-B14F-4D97-AF65-F5344CB8AC3E}">
+        <p14:creationId xmlns:p14="http://schemas.microsoft.com/office/powerpoint/2010/main" val="1593389053"/>
+      </p:ext>
+    </p:extLst>
+  </p:cSld>
+  <p:clrMapOvr>
+    <a:masterClrMapping/>
+  </p:clrMapOvr>
+  <p:timing>
+    <p:tnLst>
+      <p:par>
+        <p:cTn id="1" dur="indefinite" restart="never" nodeType="tmRoot"/>
+      </p:par>
+    </p:tnLst>
+  </p:timing>
+</p:sld>
+</file>
+
+<file path=ppt/slides/slide14.xml><?xml version="1.0" encoding="utf-8"?>
 <p:sld xmlns:a="http://schemas.openxmlformats.org/drawingml/2006/main" xmlns:r="http://schemas.openxmlformats.org/officeDocument/2006/relationships" xmlns:p="http://schemas.openxmlformats.org/presentationml/2006/main">
   <p:cSld>
     <p:spTree>
@@ -3233,7 +3824,7 @@
 </p:sld>
 </file>
 
-<file path=ppt/slides/slide11.xml><?xml version="1.0" encoding="utf-8"?>
+<file path=ppt/slides/slide15.xml><?xml version="1.0" encoding="utf-8"?>
 <p:sld xmlns:a="http://schemas.openxmlformats.org/drawingml/2006/main" xmlns:r="http://schemas.openxmlformats.org/officeDocument/2006/relationships" xmlns:p="http://schemas.openxmlformats.org/presentationml/2006/main">
   <p:cSld>
     <p:spTree>
@@ -3390,7 +3981,7 @@
 </p:sld>
 </file>
 
-<file path=ppt/slides/slide12.xml><?xml version="1.0" encoding="utf-8"?>
+<file path=ppt/slides/slide16.xml><?xml version="1.0" encoding="utf-8"?>
 <p:sld xmlns:a="http://schemas.openxmlformats.org/drawingml/2006/main" xmlns:r="http://schemas.openxmlformats.org/officeDocument/2006/relationships" xmlns:p="http://schemas.openxmlformats.org/presentationml/2006/main">
   <p:cSld>
     <p:spTree>
@@ -3502,7 +4093,7 @@
 </p:sld>
 </file>
 
-<file path=ppt/slides/slide13.xml><?xml version="1.0" encoding="utf-8"?>
+<file path=ppt/slides/slide17.xml><?xml version="1.0" encoding="utf-8"?>
 <p:sld xmlns:a="http://schemas.openxmlformats.org/drawingml/2006/main" xmlns:r="http://schemas.openxmlformats.org/officeDocument/2006/relationships" xmlns:p="http://schemas.openxmlformats.org/presentationml/2006/main">
   <p:cSld>
     <p:spTree>
@@ -3702,7 +4293,7 @@
 </p:sld>
 </file>
 
-<file path=ppt/slides/slide14.xml><?xml version="1.0" encoding="utf-8"?>
+<file path=ppt/slides/slide18.xml><?xml version="1.0" encoding="utf-8"?>
 <p:sld xmlns:a="http://schemas.openxmlformats.org/drawingml/2006/main" xmlns:r="http://schemas.openxmlformats.org/officeDocument/2006/relationships" xmlns:p="http://schemas.openxmlformats.org/presentationml/2006/main">
   <p:cSld>
     <p:spTree>
@@ -3877,7 +4468,7 @@
 </p:sld>
 </file>
 
-<file path=ppt/slides/slide15.xml><?xml version="1.0" encoding="utf-8"?>
+<file path=ppt/slides/slide19.xml><?xml version="1.0" encoding="utf-8"?>
 <p:sld xmlns:a="http://schemas.openxmlformats.org/drawingml/2006/main" xmlns:r="http://schemas.openxmlformats.org/officeDocument/2006/relationships" xmlns:p="http://schemas.openxmlformats.org/presentationml/2006/main">
   <p:cSld>
     <p:spTree>
@@ -5143,6 +5734,36 @@
           </a:prstGeom>
         </p:spPr>
       </p:pic>
+      <p:pic>
+        <p:nvPicPr>
+          <p:cNvPr id="4" name="图片 3"/>
+          <p:cNvPicPr>
+            <a:picLocks noChangeAspect="1"/>
+          </p:cNvPicPr>
+          <p:nvPr/>
+        </p:nvPicPr>
+        <p:blipFill>
+          <a:blip r:embed="rId4">
+            <a:extLst>
+              <a:ext uri="{28A0092B-C50C-407E-A947-70E740481C1C}">
+                <a14:useLocalDpi xmlns:a14="http://schemas.microsoft.com/office/drawing/2010/main" val="0"/>
+              </a:ext>
+            </a:extLst>
+          </a:blip>
+          <a:stretch>
+            <a:fillRect/>
+          </a:stretch>
+        </p:blipFill>
+        <p:spPr>
+          <a:xfrm>
+            <a:off x="8568267" y="583807"/>
+            <a:ext cx="2097512" cy="1626413"/>
+          </a:xfrm>
+          <a:prstGeom prst="rect">
+            <a:avLst/>
+          </a:prstGeom>
+        </p:spPr>
+      </p:pic>
     </p:spTree>
     <p:extLst>
       <p:ext uri="{BB962C8B-B14F-4D97-AF65-F5344CB8AC3E}">
@@ -5156,7 +5777,75 @@
   <p:timing>
     <p:tnLst>
       <p:par>
-        <p:cTn id="1" dur="indefinite" restart="never" nodeType="tmRoot"/>
+        <p:cTn id="1" dur="indefinite" restart="never" nodeType="tmRoot">
+          <p:childTnLst>
+            <p:seq concurrent="1" nextAc="seek">
+              <p:cTn id="2" dur="indefinite" nodeType="mainSeq">
+                <p:childTnLst>
+                  <p:par>
+                    <p:cTn id="3" fill="hold">
+                      <p:stCondLst>
+                        <p:cond delay="indefinite"/>
+                      </p:stCondLst>
+                      <p:childTnLst>
+                        <p:par>
+                          <p:cTn id="4" fill="hold">
+                            <p:stCondLst>
+                              <p:cond delay="0"/>
+                            </p:stCondLst>
+                            <p:childTnLst>
+                              <p:par>
+                                <p:cTn id="5" presetID="1" presetClass="entr" presetSubtype="0" fill="hold" nodeType="clickEffect">
+                                  <p:stCondLst>
+                                    <p:cond delay="0"/>
+                                  </p:stCondLst>
+                                  <p:childTnLst>
+                                    <p:set>
+                                      <p:cBhvr>
+                                        <p:cTn id="6" dur="1" fill="hold">
+                                          <p:stCondLst>
+                                            <p:cond delay="0"/>
+                                          </p:stCondLst>
+                                        </p:cTn>
+                                        <p:tgtEl>
+                                          <p:spTgt spid="4"/>
+                                        </p:tgtEl>
+                                        <p:attrNameLst>
+                                          <p:attrName>style.visibility</p:attrName>
+                                        </p:attrNameLst>
+                                      </p:cBhvr>
+                                      <p:to>
+                                        <p:strVal val="visible"/>
+                                      </p:to>
+                                    </p:set>
+                                  </p:childTnLst>
+                                </p:cTn>
+                              </p:par>
+                            </p:childTnLst>
+                          </p:cTn>
+                        </p:par>
+                      </p:childTnLst>
+                    </p:cTn>
+                  </p:par>
+                </p:childTnLst>
+              </p:cTn>
+              <p:prevCondLst>
+                <p:cond evt="onPrev" delay="0">
+                  <p:tgtEl>
+                    <p:sldTgt/>
+                  </p:tgtEl>
+                </p:cond>
+              </p:prevCondLst>
+              <p:nextCondLst>
+                <p:cond evt="onNext" delay="0">
+                  <p:tgtEl>
+                    <p:sldTgt/>
+                  </p:tgtEl>
+                </p:cond>
+              </p:nextCondLst>
+            </p:seq>
+          </p:childTnLst>
+        </p:cTn>
       </p:par>
     </p:tnLst>
   </p:timing>
@@ -5378,125 +6067,26 @@
             <p:ph type="title"/>
           </p:nvPr>
         </p:nvSpPr>
-        <p:spPr>
-          <a:xfrm>
-            <a:off x="838200" y="365125"/>
-            <a:ext cx="10515600" cy="1325563"/>
-          </a:xfrm>
-        </p:spPr>
-        <p:txBody>
-          <a:bodyPr/>
-          <a:lstStyle/>
-          <a:p>
-            <a:r>
-              <a:rPr lang="en-US" altLang="zh-CN" dirty="0"/>
+        <p:spPr/>
+        <p:txBody>
+          <a:bodyPr/>
+          <a:lstStyle/>
+          <a:p>
+            <a:r>
+              <a:rPr lang="en-US" altLang="zh-CN" dirty="0" smtClean="0"/>
               <a:t>2.</a:t>
             </a:r>
             <a:r>
-              <a:rPr lang="zh-CN" altLang="en-US" dirty="0"/>
+              <a:rPr lang="zh-CN" altLang="en-US" dirty="0" smtClean="0"/>
               <a:t>特征选择</a:t>
             </a:r>
-          </a:p>
-        </p:txBody>
-      </p:sp>
-      <p:sp>
-        <p:nvSpPr>
-          <p:cNvPr id="3" name="内容占位符 2"/>
-          <p:cNvSpPr>
-            <a:spLocks noGrp="1"/>
-          </p:cNvSpPr>
-          <p:nvPr>
-            <p:ph idx="1"/>
-          </p:nvPr>
-        </p:nvSpPr>
-        <p:spPr/>
-        <p:txBody>
-          <a:bodyPr/>
-          <a:lstStyle/>
-          <a:p>
-            <a:r>
-              <a:rPr lang="zh-CN" altLang="en-US" dirty="0" smtClean="0"/>
-              <a:t>信息增益比： 特征</a:t>
-            </a:r>
-            <a:r>
-              <a:rPr lang="en-US" altLang="zh-CN" dirty="0" smtClean="0"/>
-              <a:t>A</a:t>
-            </a:r>
-            <a:r>
-              <a:rPr lang="zh-CN" altLang="en-US" dirty="0" smtClean="0"/>
-              <a:t>对训练数据集</a:t>
-            </a:r>
-            <a:r>
-              <a:rPr lang="en-US" altLang="zh-CN" dirty="0" smtClean="0"/>
-              <a:t>D</a:t>
-            </a:r>
-            <a:r>
-              <a:rPr lang="zh-CN" altLang="en-US" dirty="0" smtClean="0"/>
-              <a:t>的信息增益比</a:t>
-            </a:r>
-            <a:r>
-              <a:rPr lang="en-US" altLang="zh-CN" dirty="0" err="1" smtClean="0"/>
-              <a:t>g</a:t>
-            </a:r>
-            <a:r>
-              <a:rPr lang="en-US" altLang="zh-CN" baseline="-25000" dirty="0" err="1" smtClean="0"/>
-              <a:t>R</a:t>
-            </a:r>
-            <a:r>
-              <a:rPr lang="en-US" altLang="zh-CN" dirty="0" smtClean="0"/>
-              <a:t>(D, A)</a:t>
-            </a:r>
-            <a:r>
-              <a:rPr lang="zh-CN" altLang="en-US" dirty="0" smtClean="0"/>
-              <a:t>定义为其信息增益</a:t>
-            </a:r>
-            <a:r>
-              <a:rPr lang="en-US" altLang="zh-CN" dirty="0" smtClean="0"/>
-              <a:t>g(D, A)</a:t>
-            </a:r>
-            <a:r>
-              <a:rPr lang="zh-CN" altLang="en-US" dirty="0" smtClean="0"/>
-              <a:t>与训练数据集</a:t>
-            </a:r>
-            <a:r>
-              <a:rPr lang="en-US" altLang="zh-CN" dirty="0" smtClean="0"/>
-              <a:t>D</a:t>
-            </a:r>
-            <a:r>
-              <a:rPr lang="zh-CN" altLang="en-US" dirty="0" smtClean="0"/>
-              <a:t>关于特征</a:t>
-            </a:r>
-            <a:r>
-              <a:rPr lang="en-US" altLang="zh-CN" dirty="0" smtClean="0"/>
-              <a:t>A</a:t>
-            </a:r>
-            <a:r>
-              <a:rPr lang="zh-CN" altLang="en-US" dirty="0" smtClean="0"/>
-              <a:t>的值的熵</a:t>
-            </a:r>
-            <a:r>
-              <a:rPr lang="en-US" altLang="zh-CN" dirty="0" smtClean="0"/>
-              <a:t>H</a:t>
-            </a:r>
-            <a:r>
-              <a:rPr lang="en-US" altLang="zh-CN" baseline="-25000" dirty="0" smtClean="0"/>
-              <a:t>A</a:t>
-            </a:r>
-            <a:r>
-              <a:rPr lang="en-US" altLang="zh-CN" dirty="0" smtClean="0"/>
-              <a:t>(D)</a:t>
-            </a:r>
-            <a:r>
-              <a:rPr lang="zh-CN" altLang="en-US" dirty="0" smtClean="0"/>
-              <a:t>之比</a:t>
-            </a:r>
-            <a:endParaRPr lang="en-US" altLang="zh-CN" dirty="0" smtClean="0"/>
+            <a:endParaRPr lang="zh-CN" altLang="en-US" dirty="0"/>
           </a:p>
         </p:txBody>
       </p:sp>
       <p:pic>
         <p:nvPicPr>
-          <p:cNvPr id="4" name="图片 3"/>
+          <p:cNvPr id="8" name="图片 7"/>
           <p:cNvPicPr>
             <a:picLocks noChangeAspect="1"/>
           </p:cNvPicPr>
@@ -5516,8 +6106,8 @@
         </p:blipFill>
         <p:spPr>
           <a:xfrm>
-            <a:off x="2300287" y="3301206"/>
-            <a:ext cx="7591425" cy="1400175"/>
+            <a:off x="1990152" y="1353602"/>
+            <a:ext cx="8211696" cy="5144218"/>
           </a:xfrm>
           <a:prstGeom prst="rect">
             <a:avLst/>
@@ -5527,7 +6117,7 @@
     </p:spTree>
     <p:extLst>
       <p:ext uri="{BB962C8B-B14F-4D97-AF65-F5344CB8AC3E}">
-        <p14:creationId xmlns:p14="http://schemas.microsoft.com/office/powerpoint/2010/main" val="561983054"/>
+        <p14:creationId xmlns:p14="http://schemas.microsoft.com/office/powerpoint/2010/main" val="3267508917"/>
       </p:ext>
     </p:extLst>
   </p:cSld>
@@ -5578,38 +6168,11 @@
           <a:p>
             <a:r>
               <a:rPr lang="en-US" altLang="zh-CN" dirty="0" smtClean="0"/>
-              <a:t>3.</a:t>
-            </a:r>
-            <a:r>
-              <a:rPr lang="zh-CN" altLang="en-US" dirty="0" smtClean="0"/>
-              <a:t>决策树的生成</a:t>
-            </a:r>
-            <a:endParaRPr lang="zh-CN" altLang="en-US" dirty="0"/>
-          </a:p>
-        </p:txBody>
-      </p:sp>
-      <p:sp>
-        <p:nvSpPr>
-          <p:cNvPr id="3" name="内容占位符 2"/>
-          <p:cNvSpPr>
-            <a:spLocks noGrp="1"/>
-          </p:cNvSpPr>
-          <p:nvPr>
-            <p:ph idx="1"/>
-          </p:nvPr>
-        </p:nvSpPr>
-        <p:spPr/>
-        <p:txBody>
-          <a:bodyPr/>
-          <a:lstStyle/>
-          <a:p>
-            <a:r>
-              <a:rPr lang="en-US" altLang="zh-CN" dirty="0" smtClean="0"/>
-              <a:t>ID3</a:t>
-            </a:r>
-            <a:r>
-              <a:rPr lang="zh-CN" altLang="en-US" dirty="0" smtClean="0"/>
-              <a:t>算法</a:t>
+              <a:t>2.</a:t>
+            </a:r>
+            <a:r>
+              <a:rPr lang="zh-CN" altLang="en-US" dirty="0" smtClean="0"/>
+              <a:t>特征选择</a:t>
             </a:r>
             <a:endParaRPr lang="zh-CN" altLang="en-US" dirty="0"/>
           </a:p>
@@ -5617,7 +6180,7 @@
       </p:sp>
       <p:pic>
         <p:nvPicPr>
-          <p:cNvPr id="4" name="图片 3"/>
+          <p:cNvPr id="3" name="图片 2"/>
           <p:cNvPicPr>
             <a:picLocks noChangeAspect="1"/>
           </p:cNvPicPr>
@@ -5637,8 +6200,38 @@
         </p:blipFill>
         <p:spPr>
           <a:xfrm>
-            <a:off x="2852737" y="1690688"/>
-            <a:ext cx="6486525" cy="4286250"/>
+            <a:off x="3294881" y="1470839"/>
+            <a:ext cx="5963482" cy="981212"/>
+          </a:xfrm>
+          <a:prstGeom prst="rect">
+            <a:avLst/>
+          </a:prstGeom>
+        </p:spPr>
+      </p:pic>
+      <p:pic>
+        <p:nvPicPr>
+          <p:cNvPr id="4" name="图片 3"/>
+          <p:cNvPicPr>
+            <a:picLocks noChangeAspect="1"/>
+          </p:cNvPicPr>
+          <p:nvPr/>
+        </p:nvPicPr>
+        <p:blipFill>
+          <a:blip r:embed="rId3">
+            <a:extLst>
+              <a:ext uri="{28A0092B-C50C-407E-A947-70E740481C1C}">
+                <a14:useLocalDpi xmlns:a14="http://schemas.microsoft.com/office/drawing/2010/main" val="0"/>
+              </a:ext>
+            </a:extLst>
+          </a:blip>
+          <a:stretch>
+            <a:fillRect/>
+          </a:stretch>
+        </p:blipFill>
+        <p:spPr>
+          <a:xfrm>
+            <a:off x="2966222" y="3162680"/>
+            <a:ext cx="6620799" cy="2267266"/>
           </a:xfrm>
           <a:prstGeom prst="rect">
             <a:avLst/>
@@ -5648,7 +6241,7 @@
     </p:spTree>
     <p:extLst>
       <p:ext uri="{BB962C8B-B14F-4D97-AF65-F5344CB8AC3E}">
-        <p14:creationId xmlns:p14="http://schemas.microsoft.com/office/powerpoint/2010/main" val="3791275100"/>
+        <p14:creationId xmlns:p14="http://schemas.microsoft.com/office/powerpoint/2010/main" val="3290658667"/>
       </p:ext>
     </p:extLst>
   </p:cSld>
@@ -5698,123 +6291,111 @@
           <a:lstStyle/>
           <a:p>
             <a:r>
-              <a:rPr lang="en-US" altLang="zh-CN" dirty="0"/>
-              <a:t>3.</a:t>
-            </a:r>
-            <a:r>
-              <a:rPr lang="zh-CN" altLang="en-US" dirty="0"/>
-              <a:t>决策树的生成</a:t>
-            </a:r>
-          </a:p>
-        </p:txBody>
-      </p:sp>
-      <p:sp>
-        <p:nvSpPr>
-          <p:cNvPr id="3" name="内容占位符 2"/>
-          <p:cNvSpPr>
-            <a:spLocks noGrp="1"/>
-          </p:cNvSpPr>
-          <p:nvPr>
-            <p:ph idx="1"/>
-          </p:nvPr>
-        </p:nvSpPr>
-        <p:spPr/>
-        <p:txBody>
-          <a:bodyPr/>
-          <a:lstStyle/>
-          <a:p>
-            <a:r>
               <a:rPr lang="en-US" altLang="zh-CN" dirty="0" smtClean="0"/>
-              <a:t>C4.5</a:t>
-            </a:r>
-            <a:r>
-              <a:rPr lang="zh-CN" altLang="en-US" dirty="0" smtClean="0"/>
-              <a:t>算法：</a:t>
-            </a:r>
-            <a:r>
-              <a:rPr lang="en-US" altLang="zh-CN" dirty="0"/>
-              <a:t>C4.5</a:t>
-            </a:r>
-            <a:r>
-              <a:rPr lang="zh-CN" altLang="en-US" dirty="0"/>
-              <a:t>算法继承了</a:t>
-            </a:r>
-            <a:r>
-              <a:rPr lang="en-US" altLang="zh-CN" dirty="0"/>
-              <a:t>ID3</a:t>
-            </a:r>
-            <a:r>
-              <a:rPr lang="zh-CN" altLang="en-US" dirty="0"/>
-              <a:t>算法的优点，并在以下几方面对</a:t>
-            </a:r>
-            <a:r>
-              <a:rPr lang="en-US" altLang="zh-CN" dirty="0"/>
-              <a:t>ID3</a:t>
-            </a:r>
-            <a:r>
-              <a:rPr lang="zh-CN" altLang="en-US" dirty="0"/>
-              <a:t>算法进行了</a:t>
-            </a:r>
-            <a:r>
-              <a:rPr lang="zh-CN" altLang="en-US" dirty="0" smtClean="0"/>
-              <a:t>改进</a:t>
-            </a:r>
-            <a:endParaRPr lang="en-US" altLang="zh-CN" dirty="0" smtClean="0"/>
-          </a:p>
-          <a:p>
-            <a:pPr lvl="1"/>
-            <a:r>
-              <a:rPr lang="zh-CN" altLang="en-US" dirty="0"/>
-              <a:t>用信息增益率来选择属性，克服了用信息增益选择属性时偏向选择取值多的属性的不足</a:t>
-            </a:r>
-            <a:r>
-              <a:rPr lang="zh-CN" altLang="en-US" dirty="0" smtClean="0"/>
-              <a:t>；</a:t>
-            </a:r>
-            <a:endParaRPr lang="en-US" altLang="zh-CN" dirty="0" smtClean="0"/>
-          </a:p>
-          <a:p>
-            <a:pPr lvl="1"/>
-            <a:r>
-              <a:rPr lang="zh-CN" altLang="en-US" dirty="0" smtClean="0"/>
-              <a:t>在</a:t>
-            </a:r>
-            <a:r>
-              <a:rPr lang="zh-CN" altLang="en-US" dirty="0"/>
-              <a:t>树构造过程中进行剪枝；</a:t>
-            </a:r>
-          </a:p>
-          <a:p>
-            <a:pPr lvl="1"/>
-            <a:r>
-              <a:rPr lang="zh-CN" altLang="en-US" dirty="0" smtClean="0"/>
-              <a:t>能够</a:t>
-            </a:r>
-            <a:r>
-              <a:rPr lang="zh-CN" altLang="en-US" dirty="0"/>
-              <a:t>完成对连续属性的离散化处理；</a:t>
-            </a:r>
-          </a:p>
-          <a:p>
-            <a:pPr lvl="1"/>
-            <a:r>
-              <a:rPr lang="zh-CN" altLang="en-US" dirty="0" smtClean="0"/>
-              <a:t>能够</a:t>
-            </a:r>
-            <a:r>
-              <a:rPr lang="zh-CN" altLang="en-US" dirty="0"/>
-              <a:t>对不完整数据进行处理。</a:t>
-            </a:r>
-          </a:p>
-          <a:p>
+              <a:t>2.</a:t>
+            </a:r>
+            <a:r>
+              <a:rPr lang="zh-CN" altLang="en-US" dirty="0" smtClean="0"/>
+              <a:t>特征选择</a:t>
+            </a:r>
             <a:endParaRPr lang="zh-CN" altLang="en-US" dirty="0"/>
           </a:p>
         </p:txBody>
       </p:sp>
+      <p:pic>
+        <p:nvPicPr>
+          <p:cNvPr id="6" name="图片 5"/>
+          <p:cNvPicPr>
+            <a:picLocks noChangeAspect="1"/>
+          </p:cNvPicPr>
+          <p:nvPr/>
+        </p:nvPicPr>
+        <p:blipFill>
+          <a:blip r:embed="rId2">
+            <a:extLst>
+              <a:ext uri="{28A0092B-C50C-407E-A947-70E740481C1C}">
+                <a14:useLocalDpi xmlns:a14="http://schemas.microsoft.com/office/drawing/2010/main" val="0"/>
+              </a:ext>
+            </a:extLst>
+          </a:blip>
+          <a:stretch>
+            <a:fillRect/>
+          </a:stretch>
+        </p:blipFill>
+        <p:spPr>
+          <a:xfrm>
+            <a:off x="3395559" y="5008877"/>
+            <a:ext cx="4001058" cy="543001"/>
+          </a:xfrm>
+          <a:prstGeom prst="rect">
+            <a:avLst/>
+          </a:prstGeom>
+        </p:spPr>
+      </p:pic>
+      <p:pic>
+        <p:nvPicPr>
+          <p:cNvPr id="7" name="图片 6"/>
+          <p:cNvPicPr>
+            <a:picLocks noChangeAspect="1"/>
+          </p:cNvPicPr>
+          <p:nvPr/>
+        </p:nvPicPr>
+        <p:blipFill>
+          <a:blip r:embed="rId3">
+            <a:extLst>
+              <a:ext uri="{28A0092B-C50C-407E-A947-70E740481C1C}">
+                <a14:useLocalDpi xmlns:a14="http://schemas.microsoft.com/office/drawing/2010/main" val="0"/>
+              </a:ext>
+            </a:extLst>
+          </a:blip>
+          <a:stretch>
+            <a:fillRect/>
+          </a:stretch>
+        </p:blipFill>
+        <p:spPr>
+          <a:xfrm>
+            <a:off x="3776820" y="3553355"/>
+            <a:ext cx="5315692" cy="1200318"/>
+          </a:xfrm>
+          <a:prstGeom prst="rect">
+            <a:avLst/>
+          </a:prstGeom>
+        </p:spPr>
+      </p:pic>
+      <p:pic>
+        <p:nvPicPr>
+          <p:cNvPr id="8" name="图片 7"/>
+          <p:cNvPicPr>
+            <a:picLocks noChangeAspect="1"/>
+          </p:cNvPicPr>
+          <p:nvPr/>
+        </p:nvPicPr>
+        <p:blipFill>
+          <a:blip r:embed="rId4">
+            <a:extLst>
+              <a:ext uri="{28A0092B-C50C-407E-A947-70E740481C1C}">
+                <a14:useLocalDpi xmlns:a14="http://schemas.microsoft.com/office/drawing/2010/main" val="0"/>
+              </a:ext>
+            </a:extLst>
+          </a:blip>
+          <a:stretch>
+            <a:fillRect/>
+          </a:stretch>
+        </p:blipFill>
+        <p:spPr>
+          <a:xfrm>
+            <a:off x="3629657" y="2111120"/>
+            <a:ext cx="6668431" cy="1314633"/>
+          </a:xfrm>
+          <a:prstGeom prst="rect">
+            <a:avLst/>
+          </a:prstGeom>
+        </p:spPr>
+      </p:pic>
     </p:spTree>
     <p:extLst>
       <p:ext uri="{BB962C8B-B14F-4D97-AF65-F5344CB8AC3E}">
-        <p14:creationId xmlns:p14="http://schemas.microsoft.com/office/powerpoint/2010/main" val="1593389053"/>
+        <p14:creationId xmlns:p14="http://schemas.microsoft.com/office/powerpoint/2010/main" val="3636896041"/>
       </p:ext>
     </p:extLst>
   </p:cSld>
